--- a/ppt/day1.pptx
+++ b/ppt/day1.pptx
@@ -11,9 +11,10 @@
     <p:sldId id="263" r:id="rId5"/>
     <p:sldId id="261" r:id="rId6"/>
     <p:sldId id="258" r:id="rId7"/>
-    <p:sldId id="259" r:id="rId8"/>
-    <p:sldId id="260" r:id="rId9"/>
-    <p:sldId id="264" r:id="rId10"/>
+    <p:sldId id="265" r:id="rId8"/>
+    <p:sldId id="259" r:id="rId9"/>
+    <p:sldId id="260" r:id="rId10"/>
+    <p:sldId id="264" r:id="rId11"/>
   </p:sldIdLst>
   <p:sldSz cx="12192000" cy="6858000"/>
   <p:notesSz cx="6858000" cy="9144000"/>
@@ -3352,7 +3353,14 @@
           <a:p>
             <a:r>
               <a:rPr lang="en-GB" dirty="0"/>
-              <a:t>RIT Data Science in R - workshop</a:t>
+              <a:t>RIT</a:t>
+            </a:r>
+            <a:br>
+              <a:rPr lang="en-GB" dirty="0"/>
+            </a:br>
+            <a:r>
+              <a:rPr lang="en-GB" dirty="0"/>
+              <a:t>Data Science in R - workshop</a:t>
             </a:r>
           </a:p>
         </p:txBody>
@@ -3395,6 +3403,89 @@
     <p:extLst>
       <p:ext uri="{BB962C8B-B14F-4D97-AF65-F5344CB8AC3E}">
         <p14:creationId xmlns:p14="http://schemas.microsoft.com/office/powerpoint/2010/main" val="3403141818"/>
+      </p:ext>
+    </p:extLst>
+  </p:cSld>
+  <p:clrMapOvr>
+    <a:masterClrMapping/>
+  </p:clrMapOvr>
+</p:sld>
+</file>
+
+<file path=ppt/slides/slide10.xml><?xml version="1.0" encoding="utf-8"?>
+<p:sld xmlns:a="http://schemas.openxmlformats.org/drawingml/2006/main" xmlns:r="http://schemas.openxmlformats.org/officeDocument/2006/relationships" xmlns:p="http://schemas.openxmlformats.org/presentationml/2006/main">
+  <p:cSld>
+    <p:spTree>
+      <p:nvGrpSpPr>
+        <p:cNvPr id="1" name=""/>
+        <p:cNvGrpSpPr/>
+        <p:nvPr/>
+      </p:nvGrpSpPr>
+      <p:grpSpPr>
+        <a:xfrm>
+          <a:off x="0" y="0"/>
+          <a:ext cx="0" cy="0"/>
+          <a:chOff x="0" y="0"/>
+          <a:chExt cx="0" cy="0"/>
+        </a:xfrm>
+      </p:grpSpPr>
+      <p:sp>
+        <p:nvSpPr>
+          <p:cNvPr id="2" name="Title 1">
+            <a:extLst>
+              <a:ext uri="{FF2B5EF4-FFF2-40B4-BE49-F238E27FC236}">
+                <a16:creationId xmlns:a16="http://schemas.microsoft.com/office/drawing/2014/main" id="{7C6C75FF-9E63-1144-954A-9F164E685C9C}"/>
+              </a:ext>
+            </a:extLst>
+          </p:cNvPr>
+          <p:cNvSpPr>
+            <a:spLocks noGrp="1"/>
+          </p:cNvSpPr>
+          <p:nvPr>
+            <p:ph type="title"/>
+          </p:nvPr>
+        </p:nvSpPr>
+        <p:spPr/>
+        <p:txBody>
+          <a:bodyPr/>
+          <a:lstStyle/>
+          <a:p>
+            <a:r>
+              <a:rPr lang="en-GB" dirty="0"/>
+              <a:t>Let’s continue in RStudio</a:t>
+            </a:r>
+          </a:p>
+        </p:txBody>
+      </p:sp>
+      <p:sp>
+        <p:nvSpPr>
+          <p:cNvPr id="3" name="Content Placeholder 2">
+            <a:extLst>
+              <a:ext uri="{FF2B5EF4-FFF2-40B4-BE49-F238E27FC236}">
+                <a16:creationId xmlns:a16="http://schemas.microsoft.com/office/drawing/2014/main" id="{5DB0AE9A-E5C8-C347-99D9-B5A9A8638CC6}"/>
+              </a:ext>
+            </a:extLst>
+          </p:cNvPr>
+          <p:cNvSpPr>
+            <a:spLocks noGrp="1"/>
+          </p:cNvSpPr>
+          <p:nvPr>
+            <p:ph idx="1"/>
+          </p:nvPr>
+        </p:nvSpPr>
+        <p:spPr/>
+        <p:txBody>
+          <a:bodyPr/>
+          <a:lstStyle/>
+          <a:p>
+            <a:endParaRPr lang="en-GB"/>
+          </a:p>
+        </p:txBody>
+      </p:sp>
+    </p:spTree>
+    <p:extLst>
+      <p:ext uri="{BB962C8B-B14F-4D97-AF65-F5344CB8AC3E}">
+        <p14:creationId xmlns:p14="http://schemas.microsoft.com/office/powerpoint/2010/main" val="1818479864"/>
       </p:ext>
     </p:extLst>
   </p:cSld>
@@ -3444,7 +3535,7 @@
           <a:p>
             <a:r>
               <a:rPr lang="en-GB" dirty="0"/>
-              <a:t>About me</a:t>
+              <a:t>Short intro about me</a:t>
             </a:r>
           </a:p>
         </p:txBody>
@@ -4190,7 +4281,7 @@
           <p:cNvPr id="2" name="Title 1">
             <a:extLst>
               <a:ext uri="{FF2B5EF4-FFF2-40B4-BE49-F238E27FC236}">
-                <a16:creationId xmlns:a16="http://schemas.microsoft.com/office/drawing/2014/main" id="{CD7D6453-4D4A-FA40-A0DD-8BE44681F04F}"/>
+                <a16:creationId xmlns:a16="http://schemas.microsoft.com/office/drawing/2014/main" id="{F2FB2B8C-5150-454B-9285-301E23EA4D5D}"/>
               </a:ext>
             </a:extLst>
           </p:cNvPr>
@@ -4208,7 +4299,7 @@
           <a:p>
             <a:r>
               <a:rPr lang="en-GB" dirty="0"/>
-              <a:t>Workshop</a:t>
+              <a:t>Sharing slides and code with you</a:t>
             </a:r>
           </a:p>
         </p:txBody>
@@ -4218,7 +4309,7 @@
           <p:cNvPr id="3" name="Content Placeholder 2">
             <a:extLst>
               <a:ext uri="{FF2B5EF4-FFF2-40B4-BE49-F238E27FC236}">
-                <a16:creationId xmlns:a16="http://schemas.microsoft.com/office/drawing/2014/main" id="{76F8EA48-DFEE-DF42-BD20-22463CF103E9}"/>
+                <a16:creationId xmlns:a16="http://schemas.microsoft.com/office/drawing/2014/main" id="{CEC0187F-52E7-0E41-A357-709AA4745616}"/>
               </a:ext>
             </a:extLst>
           </p:cNvPr>
@@ -4231,121 +4322,108 @@
         </p:nvSpPr>
         <p:spPr/>
         <p:txBody>
-          <a:bodyPr>
-            <a:normAutofit fontScale="92500" lnSpcReduction="20000"/>
-          </a:bodyPr>
-          <a:lstStyle/>
-          <a:p>
-            <a:r>
-              <a:rPr lang="en-GB" dirty="0"/>
-              <a:t>Day 0 </a:t>
-            </a:r>
-          </a:p>
-          <a:p>
-            <a:pPr lvl="1"/>
-            <a:r>
-              <a:rPr lang="en-GB" dirty="0"/>
-              <a:t>You installed R and </a:t>
-            </a:r>
-            <a:r>
-              <a:rPr lang="en-GB" dirty="0" err="1"/>
-              <a:t>Rstudio</a:t>
+          <a:bodyPr/>
+          <a:lstStyle/>
+          <a:p>
+            <a:r>
+              <a:rPr lang="en-GB" dirty="0">
+                <a:hlinkClick r:id="rId2"/>
+              </a:rPr>
+              <a:t>https://github.com/mxs3203/RIT_DataScience_Seminar</a:t>
             </a:r>
             <a:endParaRPr lang="en-GB" dirty="0"/>
           </a:p>
           <a:p>
-            <a:pPr lvl="1"/>
-            <a:r>
-              <a:rPr lang="en-GB" dirty="0"/>
-              <a:t>Download Wine dataset</a:t>
-            </a:r>
-          </a:p>
-          <a:p>
-            <a:r>
-              <a:rPr lang="en-GB" dirty="0"/>
-              <a:t>Day 1</a:t>
-            </a:r>
-          </a:p>
-          <a:p>
-            <a:pPr lvl="1"/>
-            <a:r>
-              <a:rPr lang="en-GB" dirty="0"/>
-              <a:t>R syntax, how to load data, </a:t>
-            </a:r>
-            <a:r>
-              <a:rPr lang="en-GB" dirty="0" err="1"/>
-              <a:t>Rstudio</a:t>
-            </a:r>
+            <a:r>
+              <a:rPr lang="en-GB" dirty="0"/>
+              <a:t>If you are not familiar with GIT just go to download ZIP and download everything</a:t>
+            </a:r>
+          </a:p>
+          <a:p>
+            <a:r>
+              <a:rPr lang="en-GB" dirty="0"/>
+              <a:t>Or open a file and copy paste</a:t>
+            </a:r>
+            <a:br>
+              <a:rPr lang="en-GB" dirty="0"/>
+            </a:br>
+            <a:r>
+              <a:rPr lang="en-GB" dirty="0"/>
+              <a:t>part of code you want</a:t>
+            </a:r>
+          </a:p>
+          <a:p>
             <a:endParaRPr lang="en-GB" dirty="0"/>
           </a:p>
           <a:p>
-            <a:pPr lvl="1"/>
-            <a:r>
-              <a:rPr lang="en-GB" dirty="0"/>
-              <a:t>How to make basic plots and interpret them</a:t>
-            </a:r>
-          </a:p>
-          <a:p>
-            <a:pPr lvl="1"/>
-            <a:r>
-              <a:rPr lang="en-GB" dirty="0"/>
-              <a:t>Install </a:t>
-            </a:r>
-            <a:r>
-              <a:rPr lang="en-GB" dirty="0" err="1"/>
-              <a:t>tidyverse</a:t>
-            </a:r>
-            <a:r>
-              <a:rPr lang="en-GB" dirty="0"/>
-              <a:t> package for Day 2</a:t>
-            </a:r>
-          </a:p>
-          <a:p>
-            <a:r>
-              <a:rPr lang="en-GB" dirty="0"/>
-              <a:t>Day 2</a:t>
-            </a:r>
-          </a:p>
-          <a:p>
-            <a:pPr lvl="1"/>
-            <a:r>
-              <a:rPr lang="en-GB" dirty="0"/>
-              <a:t>You worked on your own data using knowledge from day 1</a:t>
-            </a:r>
-          </a:p>
-          <a:p>
-            <a:pPr lvl="1"/>
-            <a:r>
-              <a:rPr lang="en-GB" dirty="0"/>
-              <a:t>Making nicer plots and interpreting results</a:t>
-            </a:r>
-          </a:p>
-          <a:p>
-            <a:r>
-              <a:rPr lang="en-GB" dirty="0"/>
-              <a:t>Day 3</a:t>
-            </a:r>
-          </a:p>
-          <a:p>
-            <a:pPr lvl="1"/>
-            <a:r>
-              <a:rPr lang="en-GB" dirty="0"/>
-              <a:t>Mathematical modelling using simple linear regression</a:t>
-            </a:r>
-          </a:p>
-          <a:p>
-            <a:pPr lvl="1"/>
-            <a:r>
-              <a:rPr lang="en-GB" dirty="0"/>
-              <a:t>Try to predict numerical outcome from your data (temperature, co2, etc)</a:t>
-            </a:r>
-          </a:p>
-        </p:txBody>
-      </p:sp>
+            <a:endParaRPr lang="en-GB" dirty="0"/>
+          </a:p>
+        </p:txBody>
+      </p:sp>
+      <p:pic>
+        <p:nvPicPr>
+          <p:cNvPr id="4" name="Picture 3">
+            <a:extLst>
+              <a:ext uri="{FF2B5EF4-FFF2-40B4-BE49-F238E27FC236}">
+                <a16:creationId xmlns:a16="http://schemas.microsoft.com/office/drawing/2014/main" id="{FF93755C-48B5-EB49-A917-1FE61BF75A91}"/>
+              </a:ext>
+            </a:extLst>
+          </p:cNvPr>
+          <p:cNvPicPr>
+            <a:picLocks noChangeAspect="1"/>
+          </p:cNvPicPr>
+          <p:nvPr/>
+        </p:nvPicPr>
+        <p:blipFill>
+          <a:blip r:embed="rId3"/>
+          <a:stretch>
+            <a:fillRect/>
+          </a:stretch>
+        </p:blipFill>
+        <p:spPr>
+          <a:xfrm>
+            <a:off x="6218024" y="3308278"/>
+            <a:ext cx="5973976" cy="3467527"/>
+          </a:xfrm>
+          <a:prstGeom prst="rect">
+            <a:avLst/>
+          </a:prstGeom>
+        </p:spPr>
+      </p:pic>
+      <p:pic>
+        <p:nvPicPr>
+          <p:cNvPr id="5" name="Picture 4">
+            <a:extLst>
+              <a:ext uri="{FF2B5EF4-FFF2-40B4-BE49-F238E27FC236}">
+                <a16:creationId xmlns:a16="http://schemas.microsoft.com/office/drawing/2014/main" id="{6F97BD41-A8DE-FD43-8E78-9B728C7C9395}"/>
+              </a:ext>
+            </a:extLst>
+          </p:cNvPr>
+          <p:cNvPicPr>
+            <a:picLocks noChangeAspect="1"/>
+          </p:cNvPicPr>
+          <p:nvPr/>
+        </p:nvPicPr>
+        <p:blipFill>
+          <a:blip r:embed="rId4"/>
+          <a:stretch>
+            <a:fillRect/>
+          </a:stretch>
+        </p:blipFill>
+        <p:spPr>
+          <a:xfrm>
+            <a:off x="1033861" y="4304872"/>
+            <a:ext cx="4218629" cy="2347643"/>
+          </a:xfrm>
+          <a:prstGeom prst="rect">
+            <a:avLst/>
+          </a:prstGeom>
+        </p:spPr>
+      </p:pic>
     </p:spTree>
     <p:extLst>
       <p:ext uri="{BB962C8B-B14F-4D97-AF65-F5344CB8AC3E}">
-        <p14:creationId xmlns:p14="http://schemas.microsoft.com/office/powerpoint/2010/main" val="902516117"/>
+        <p14:creationId xmlns:p14="http://schemas.microsoft.com/office/powerpoint/2010/main" val="400537466"/>
       </p:ext>
     </p:extLst>
   </p:cSld>
@@ -4377,7 +4455,7 @@
           <p:cNvPr id="2" name="Title 1">
             <a:extLst>
               <a:ext uri="{FF2B5EF4-FFF2-40B4-BE49-F238E27FC236}">
-                <a16:creationId xmlns:a16="http://schemas.microsoft.com/office/drawing/2014/main" id="{BAE5BB57-E47F-944E-8D55-C71892709E6D}"/>
+                <a16:creationId xmlns:a16="http://schemas.microsoft.com/office/drawing/2014/main" id="{CD7D6453-4D4A-FA40-A0DD-8BE44681F04F}"/>
               </a:ext>
             </a:extLst>
           </p:cNvPr>
@@ -4395,7 +4473,7 @@
           <a:p>
             <a:r>
               <a:rPr lang="en-GB" dirty="0"/>
-              <a:t>Day 1:</a:t>
+              <a:t>Workshop</a:t>
             </a:r>
           </a:p>
         </p:txBody>
@@ -4405,7 +4483,7 @@
           <p:cNvPr id="3" name="Content Placeholder 2">
             <a:extLst>
               <a:ext uri="{FF2B5EF4-FFF2-40B4-BE49-F238E27FC236}">
-                <a16:creationId xmlns:a16="http://schemas.microsoft.com/office/drawing/2014/main" id="{537C2E0E-AD8F-CD40-A7AB-43DABEF4C739}"/>
+                <a16:creationId xmlns:a16="http://schemas.microsoft.com/office/drawing/2014/main" id="{76F8EA48-DFEE-DF42-BD20-22463CF103E9}"/>
               </a:ext>
             </a:extLst>
           </p:cNvPr>
@@ -4416,182 +4494,123 @@
             <p:ph idx="1"/>
           </p:nvPr>
         </p:nvSpPr>
-        <p:spPr>
-          <a:xfrm>
-            <a:off x="838200" y="1825624"/>
-            <a:ext cx="10515600" cy="5032375"/>
-          </a:xfrm>
-        </p:spPr>
+        <p:spPr/>
         <p:txBody>
           <a:bodyPr>
-            <a:normAutofit fontScale="77500" lnSpcReduction="20000"/>
+            <a:normAutofit fontScale="92500" lnSpcReduction="20000"/>
           </a:bodyPr>
           <a:lstStyle/>
           <a:p>
             <a:r>
               <a:rPr lang="en-GB" dirty="0"/>
-              <a:t>Wine dataset introduction</a:t>
-            </a:r>
-          </a:p>
-          <a:p>
-            <a:r>
-              <a:rPr lang="en-GB" dirty="0"/>
-              <a:t>Most of the parameters </a:t>
-            </a:r>
-            <a:br>
-              <a:rPr lang="en-GB" dirty="0"/>
-            </a:br>
-            <a:r>
-              <a:rPr lang="en-GB" dirty="0"/>
-              <a:t>are numeric</a:t>
+              <a:t>Day 0 </a:t>
             </a:r>
           </a:p>
           <a:p>
             <a:pPr lvl="1"/>
             <a:r>
               <a:rPr lang="en-GB" dirty="0"/>
-              <a:t>Type = categorical</a:t>
-            </a:r>
-          </a:p>
-          <a:p>
-            <a:r>
-              <a:rPr lang="en-GB" dirty="0"/>
-              <a:t>School-example dataset</a:t>
-            </a:r>
+              <a:t>You installed R and </a:t>
+            </a:r>
+            <a:r>
+              <a:rPr lang="en-GB" dirty="0" err="1"/>
+              <a:t>Rstudio</a:t>
+            </a:r>
+            <a:endParaRPr lang="en-GB" dirty="0"/>
           </a:p>
           <a:p>
             <a:pPr lvl="1"/>
             <a:r>
               <a:rPr lang="en-GB" dirty="0"/>
-              <a:t>Data is tidy</a:t>
-            </a:r>
-          </a:p>
-          <a:p>
-            <a:r>
-              <a:rPr lang="en-GB" dirty="0"/>
-              <a:t>For purpose of this </a:t>
-            </a:r>
-            <a:br>
-              <a:rPr lang="en-GB" dirty="0"/>
-            </a:br>
-            <a:r>
-              <a:rPr lang="en-GB" dirty="0"/>
-              <a:t>seminar we are going to </a:t>
-            </a:r>
-            <a:br>
-              <a:rPr lang="en-GB" dirty="0"/>
-            </a:br>
-            <a:r>
-              <a:rPr lang="en-GB" dirty="0"/>
-              <a:t>pretend we are interested </a:t>
-            </a:r>
-            <a:br>
-              <a:rPr lang="en-GB" dirty="0"/>
-            </a:br>
-            <a:r>
-              <a:rPr lang="en-GB" dirty="0"/>
-              <a:t>in how are other </a:t>
-            </a:r>
-            <a:br>
-              <a:rPr lang="en-GB" dirty="0"/>
-            </a:br>
-            <a:r>
-              <a:rPr lang="en-GB" b="1" dirty="0"/>
-              <a:t>parameters affecting </a:t>
-            </a:r>
-            <a:br>
-              <a:rPr lang="en-GB" b="1" dirty="0"/>
-            </a:br>
-            <a:r>
-              <a:rPr lang="en-GB" b="1" dirty="0"/>
-              <a:t>alcohol </a:t>
-            </a:r>
-            <a:r>
-              <a:rPr lang="en-GB" dirty="0"/>
-              <a:t>and can </a:t>
-            </a:r>
-            <a:r>
-              <a:rPr lang="en-GB" b="1" dirty="0"/>
-              <a:t>we predict</a:t>
-            </a:r>
-            <a:br>
-              <a:rPr lang="en-GB" b="1" dirty="0"/>
-            </a:br>
-            <a:r>
-              <a:rPr lang="en-GB" b="1" dirty="0"/>
-              <a:t>alcohol from params we </a:t>
-            </a:r>
-            <a:br>
-              <a:rPr lang="en-GB" b="1" dirty="0"/>
-            </a:br>
-            <a:r>
-              <a:rPr lang="en-GB" b="1" dirty="0"/>
-              <a:t>have</a:t>
-            </a:r>
-          </a:p>
-          <a:p>
-            <a:r>
-              <a:rPr lang="en-GB" dirty="0"/>
-              <a:t>You have similar scenario because</a:t>
-            </a:r>
-            <a:br>
-              <a:rPr lang="en-GB" dirty="0"/>
-            </a:br>
-            <a:r>
-              <a:rPr lang="en-GB" dirty="0"/>
-              <a:t>you want to make a model </a:t>
-            </a:r>
-            <a:br>
-              <a:rPr lang="en-GB" dirty="0"/>
-            </a:br>
-            <a:r>
-              <a:rPr lang="en-GB" dirty="0"/>
-              <a:t>predicting numeric value</a:t>
-            </a:r>
-            <a:br>
-              <a:rPr lang="en-GB" dirty="0"/>
-            </a:br>
-            <a:r>
-              <a:rPr lang="en-GB" dirty="0"/>
-              <a:t>(CO2, Temp, etc…)</a:t>
-            </a:r>
-          </a:p>
-        </p:txBody>
-      </p:sp>
-      <p:pic>
-        <p:nvPicPr>
-          <p:cNvPr id="4" name="Picture 3">
-            <a:extLst>
-              <a:ext uri="{FF2B5EF4-FFF2-40B4-BE49-F238E27FC236}">
-                <a16:creationId xmlns:a16="http://schemas.microsoft.com/office/drawing/2014/main" id="{9DCEB83F-1A54-B84C-BBC1-97B946FFFC59}"/>
-              </a:ext>
-            </a:extLst>
-          </p:cNvPr>
-          <p:cNvPicPr>
-            <a:picLocks noChangeAspect="1"/>
-          </p:cNvPicPr>
-          <p:nvPr/>
-        </p:nvPicPr>
-        <p:blipFill>
-          <a:blip r:embed="rId2"/>
-          <a:stretch>
-            <a:fillRect/>
-          </a:stretch>
-        </p:blipFill>
-        <p:spPr>
-          <a:xfrm>
-            <a:off x="4991100" y="1422400"/>
-            <a:ext cx="7200900" cy="5435600"/>
-          </a:xfrm>
-          <a:prstGeom prst="rect">
-            <a:avLst/>
-          </a:prstGeom>
-        </p:spPr>
-      </p:pic>
+              <a:t>Download Wine dataset</a:t>
+            </a:r>
+          </a:p>
+          <a:p>
+            <a:r>
+              <a:rPr lang="en-GB" dirty="0"/>
+              <a:t>Day 1</a:t>
+            </a:r>
+          </a:p>
+          <a:p>
+            <a:pPr lvl="1"/>
+            <a:r>
+              <a:rPr lang="en-GB" dirty="0"/>
+              <a:t>R syntax, how to load data, </a:t>
+            </a:r>
+            <a:r>
+              <a:rPr lang="en-GB" dirty="0" err="1"/>
+              <a:t>Rstudio</a:t>
+            </a:r>
+            <a:endParaRPr lang="en-GB" dirty="0"/>
+          </a:p>
+          <a:p>
+            <a:pPr lvl="1"/>
+            <a:r>
+              <a:rPr lang="en-GB" dirty="0"/>
+              <a:t>How to make basic plots and interpret them</a:t>
+            </a:r>
+          </a:p>
+          <a:p>
+            <a:pPr lvl="1"/>
+            <a:r>
+              <a:rPr lang="en-GB" dirty="0"/>
+              <a:t>Install </a:t>
+            </a:r>
+            <a:r>
+              <a:rPr lang="en-GB" dirty="0" err="1"/>
+              <a:t>tidyverse</a:t>
+            </a:r>
+            <a:r>
+              <a:rPr lang="en-GB" dirty="0"/>
+              <a:t> package for Day 2</a:t>
+            </a:r>
+          </a:p>
+          <a:p>
+            <a:r>
+              <a:rPr lang="en-GB" dirty="0"/>
+              <a:t>Day 2</a:t>
+            </a:r>
+          </a:p>
+          <a:p>
+            <a:pPr lvl="1"/>
+            <a:r>
+              <a:rPr lang="en-GB" dirty="0"/>
+              <a:t>You worked on your own data using knowledge from day 1</a:t>
+            </a:r>
+          </a:p>
+          <a:p>
+            <a:pPr lvl="1"/>
+            <a:r>
+              <a:rPr lang="en-GB" dirty="0"/>
+              <a:t>Making nicer plots and interpreting results</a:t>
+            </a:r>
+          </a:p>
+          <a:p>
+            <a:r>
+              <a:rPr lang="en-GB" dirty="0"/>
+              <a:t>Day 3</a:t>
+            </a:r>
+          </a:p>
+          <a:p>
+            <a:pPr lvl="1"/>
+            <a:r>
+              <a:rPr lang="en-GB" dirty="0"/>
+              <a:t>Mathematical modelling using simple linear regression</a:t>
+            </a:r>
+          </a:p>
+          <a:p>
+            <a:pPr lvl="1"/>
+            <a:r>
+              <a:rPr lang="en-GB" dirty="0"/>
+              <a:t>Try to predict numerical outcome from your data (temperature, co2, etc)</a:t>
+            </a:r>
+          </a:p>
+        </p:txBody>
+      </p:sp>
     </p:spTree>
     <p:extLst>
       <p:ext uri="{BB962C8B-B14F-4D97-AF65-F5344CB8AC3E}">
-        <p14:creationId xmlns:p14="http://schemas.microsoft.com/office/powerpoint/2010/main" val="3776475985"/>
+        <p14:creationId xmlns:p14="http://schemas.microsoft.com/office/powerpoint/2010/main" val="902516117"/>
       </p:ext>
     </p:extLst>
   </p:cSld>
@@ -4623,7 +4642,7 @@
           <p:cNvPr id="2" name="Title 1">
             <a:extLst>
               <a:ext uri="{FF2B5EF4-FFF2-40B4-BE49-F238E27FC236}">
-                <a16:creationId xmlns:a16="http://schemas.microsoft.com/office/drawing/2014/main" id="{7C6C75FF-9E63-1144-954A-9F164E685C9C}"/>
+                <a16:creationId xmlns:a16="http://schemas.microsoft.com/office/drawing/2014/main" id="{BAE5BB57-E47F-944E-8D55-C71892709E6D}"/>
               </a:ext>
             </a:extLst>
           </p:cNvPr>
@@ -4641,7 +4660,7 @@
           <a:p>
             <a:r>
               <a:rPr lang="en-GB" dirty="0"/>
-              <a:t>Let’s continue in RStudio</a:t>
+              <a:t>Day 1:</a:t>
             </a:r>
           </a:p>
         </p:txBody>
@@ -4651,7 +4670,7 @@
           <p:cNvPr id="3" name="Content Placeholder 2">
             <a:extLst>
               <a:ext uri="{FF2B5EF4-FFF2-40B4-BE49-F238E27FC236}">
-                <a16:creationId xmlns:a16="http://schemas.microsoft.com/office/drawing/2014/main" id="{5DB0AE9A-E5C8-C347-99D9-B5A9A8638CC6}"/>
+                <a16:creationId xmlns:a16="http://schemas.microsoft.com/office/drawing/2014/main" id="{537C2E0E-AD8F-CD40-A7AB-43DABEF4C739}"/>
               </a:ext>
             </a:extLst>
           </p:cNvPr>
@@ -4662,19 +4681,182 @@
             <p:ph idx="1"/>
           </p:nvPr>
         </p:nvSpPr>
-        <p:spPr/>
-        <p:txBody>
-          <a:bodyPr/>
-          <a:lstStyle/>
-          <a:p>
-            <a:endParaRPr lang="en-GB"/>
-          </a:p>
-        </p:txBody>
-      </p:sp>
+        <p:spPr>
+          <a:xfrm>
+            <a:off x="838200" y="1825624"/>
+            <a:ext cx="10515600" cy="5032375"/>
+          </a:xfrm>
+        </p:spPr>
+        <p:txBody>
+          <a:bodyPr>
+            <a:normAutofit fontScale="77500" lnSpcReduction="20000"/>
+          </a:bodyPr>
+          <a:lstStyle/>
+          <a:p>
+            <a:r>
+              <a:rPr lang="en-GB" dirty="0"/>
+              <a:t>Wine dataset introduction</a:t>
+            </a:r>
+          </a:p>
+          <a:p>
+            <a:r>
+              <a:rPr lang="en-GB" dirty="0"/>
+              <a:t>Most of the parameters </a:t>
+            </a:r>
+            <a:br>
+              <a:rPr lang="en-GB" dirty="0"/>
+            </a:br>
+            <a:r>
+              <a:rPr lang="en-GB" dirty="0"/>
+              <a:t>are numeric</a:t>
+            </a:r>
+          </a:p>
+          <a:p>
+            <a:pPr lvl="1"/>
+            <a:r>
+              <a:rPr lang="en-GB" dirty="0"/>
+              <a:t>Type = categorical</a:t>
+            </a:r>
+          </a:p>
+          <a:p>
+            <a:r>
+              <a:rPr lang="en-GB" dirty="0"/>
+              <a:t>School-example dataset</a:t>
+            </a:r>
+          </a:p>
+          <a:p>
+            <a:pPr lvl="1"/>
+            <a:r>
+              <a:rPr lang="en-GB" dirty="0"/>
+              <a:t>Data is tidy</a:t>
+            </a:r>
+          </a:p>
+          <a:p>
+            <a:r>
+              <a:rPr lang="en-GB" dirty="0"/>
+              <a:t>For purpose of this </a:t>
+            </a:r>
+            <a:br>
+              <a:rPr lang="en-GB" dirty="0"/>
+            </a:br>
+            <a:r>
+              <a:rPr lang="en-GB" dirty="0"/>
+              <a:t>seminar we are going to </a:t>
+            </a:r>
+            <a:br>
+              <a:rPr lang="en-GB" dirty="0"/>
+            </a:br>
+            <a:r>
+              <a:rPr lang="en-GB" dirty="0"/>
+              <a:t>pretend we are interested </a:t>
+            </a:r>
+            <a:br>
+              <a:rPr lang="en-GB" dirty="0"/>
+            </a:br>
+            <a:r>
+              <a:rPr lang="en-GB" dirty="0"/>
+              <a:t>in how are other </a:t>
+            </a:r>
+            <a:br>
+              <a:rPr lang="en-GB" dirty="0"/>
+            </a:br>
+            <a:r>
+              <a:rPr lang="en-GB" b="1" dirty="0"/>
+              <a:t>parameters affecting </a:t>
+            </a:r>
+            <a:br>
+              <a:rPr lang="en-GB" b="1" dirty="0"/>
+            </a:br>
+            <a:r>
+              <a:rPr lang="en-GB" b="1" dirty="0"/>
+              <a:t>alcohol </a:t>
+            </a:r>
+            <a:r>
+              <a:rPr lang="en-GB" dirty="0"/>
+              <a:t>and can </a:t>
+            </a:r>
+            <a:r>
+              <a:rPr lang="en-GB" b="1" dirty="0"/>
+              <a:t>we predict</a:t>
+            </a:r>
+            <a:br>
+              <a:rPr lang="en-GB" b="1" dirty="0"/>
+            </a:br>
+            <a:r>
+              <a:rPr lang="en-GB" b="1" dirty="0"/>
+              <a:t>alcohol from params we </a:t>
+            </a:r>
+            <a:br>
+              <a:rPr lang="en-GB" b="1" dirty="0"/>
+            </a:br>
+            <a:r>
+              <a:rPr lang="en-GB" b="1" dirty="0"/>
+              <a:t>have</a:t>
+            </a:r>
+          </a:p>
+          <a:p>
+            <a:r>
+              <a:rPr lang="en-GB" dirty="0"/>
+              <a:t>You have similar scenario because</a:t>
+            </a:r>
+            <a:br>
+              <a:rPr lang="en-GB" dirty="0"/>
+            </a:br>
+            <a:r>
+              <a:rPr lang="en-GB" dirty="0"/>
+              <a:t>you want to make a model </a:t>
+            </a:r>
+            <a:br>
+              <a:rPr lang="en-GB" dirty="0"/>
+            </a:br>
+            <a:r>
+              <a:rPr lang="en-GB" dirty="0"/>
+              <a:t>predicting numeric value</a:t>
+            </a:r>
+            <a:br>
+              <a:rPr lang="en-GB" dirty="0"/>
+            </a:br>
+            <a:r>
+              <a:rPr lang="en-GB" dirty="0"/>
+              <a:t>(CO2, Temp, etc…)</a:t>
+            </a:r>
+          </a:p>
+        </p:txBody>
+      </p:sp>
+      <p:pic>
+        <p:nvPicPr>
+          <p:cNvPr id="4" name="Picture 3">
+            <a:extLst>
+              <a:ext uri="{FF2B5EF4-FFF2-40B4-BE49-F238E27FC236}">
+                <a16:creationId xmlns:a16="http://schemas.microsoft.com/office/drawing/2014/main" id="{9DCEB83F-1A54-B84C-BBC1-97B946FFFC59}"/>
+              </a:ext>
+            </a:extLst>
+          </p:cNvPr>
+          <p:cNvPicPr>
+            <a:picLocks noChangeAspect="1"/>
+          </p:cNvPicPr>
+          <p:nvPr/>
+        </p:nvPicPr>
+        <p:blipFill>
+          <a:blip r:embed="rId2"/>
+          <a:stretch>
+            <a:fillRect/>
+          </a:stretch>
+        </p:blipFill>
+        <p:spPr>
+          <a:xfrm>
+            <a:off x="4991100" y="1422400"/>
+            <a:ext cx="7200900" cy="5435600"/>
+          </a:xfrm>
+          <a:prstGeom prst="rect">
+            <a:avLst/>
+          </a:prstGeom>
+        </p:spPr>
+      </p:pic>
     </p:spTree>
     <p:extLst>
       <p:ext uri="{BB962C8B-B14F-4D97-AF65-F5344CB8AC3E}">
-        <p14:creationId xmlns:p14="http://schemas.microsoft.com/office/powerpoint/2010/main" val="1818479864"/>
+        <p14:creationId xmlns:p14="http://schemas.microsoft.com/office/powerpoint/2010/main" val="3776475985"/>
       </p:ext>
     </p:extLst>
   </p:cSld>
